--- a/DHS 413/DHS 413 -first Lecture1.pptx
+++ b/DHS 413/DHS 413 -first Lecture1.pptx
@@ -5,23 +5,23 @@
     <p:sldMasterId id="2147483648" r:id="rId1"/>
   </p:sldMasterIdLst>
   <p:sldIdLst>
-    <p:sldId id="256" r:id="rId2"/>
-    <p:sldId id="257" r:id="rId3"/>
-    <p:sldId id="258" r:id="rId4"/>
-    <p:sldId id="259" r:id="rId5"/>
-    <p:sldId id="260" r:id="rId6"/>
-    <p:sldId id="261" r:id="rId7"/>
-    <p:sldId id="262" r:id="rId8"/>
-    <p:sldId id="263" r:id="rId9"/>
-    <p:sldId id="264" r:id="rId10"/>
-    <p:sldId id="266" r:id="rId11"/>
-    <p:sldId id="267" r:id="rId12"/>
-    <p:sldId id="268" r:id="rId13"/>
-    <p:sldId id="269" r:id="rId14"/>
-    <p:sldId id="270" r:id="rId15"/>
-    <p:sldId id="271" r:id="rId16"/>
-    <p:sldId id="265" r:id="rId17"/>
-    <p:sldId id="272" r:id="rId18"/>
+    <p:sldId id="256" r:id="rId3"/>
+    <p:sldId id="257" r:id="rId4"/>
+    <p:sldId id="258" r:id="rId5"/>
+    <p:sldId id="259" r:id="rId6"/>
+    <p:sldId id="260" r:id="rId7"/>
+    <p:sldId id="261" r:id="rId8"/>
+    <p:sldId id="262" r:id="rId9"/>
+    <p:sldId id="263" r:id="rId10"/>
+    <p:sldId id="264" r:id="rId11"/>
+    <p:sldId id="266" r:id="rId12"/>
+    <p:sldId id="267" r:id="rId13"/>
+    <p:sldId id="268" r:id="rId14"/>
+    <p:sldId id="269" r:id="rId15"/>
+    <p:sldId id="270" r:id="rId16"/>
+    <p:sldId id="271" r:id="rId17"/>
+    <p:sldId id="265" r:id="rId18"/>
+    <p:sldId id="272" r:id="rId19"/>
   </p:sldIdLst>
   <p:sldSz cx="12192000" cy="6858000"/>
   <p:notesSz cx="6858000" cy="9144000"/>
@@ -122,7 +122,18 @@
   </p:defaultTextStyle>
   <p:extLst>
     <p:ext uri="{EFAFB233-063F-42B5-8137-9DF3F51BA10A}">
-      <p15:sldGuideLst xmlns:p15="http://schemas.microsoft.com/office/powerpoint/2012/main" xmlns=""/>
+      <p15:sldGuideLst xmlns:p15="http://schemas.microsoft.com/office/powerpoint/2012/main">
+        <p15:guide id="1" orient="horz" pos="2160" userDrawn="1">
+          <p15:clr>
+            <a:srgbClr val="A4A3A4"/>
+          </p15:clr>
+        </p15:guide>
+        <p15:guide id="2" pos="3840" userDrawn="1">
+          <p15:clr>
+            <a:srgbClr val="A4A3A4"/>
+          </p15:clr>
+        </p15:guide>
+      </p15:sldGuideLst>
     </p:ext>
   </p:extLst>
 </p:presentation>
@@ -316,8 +327,6 @@
           <a:p>
             <a:fld id="{B61BEF0D-F0BB-DE4B-95CE-6DB70DBA9567}" type="datetimeFigureOut">
               <a:rPr lang="en-US" dirty="0"/>
-              <a:pPr/>
-              <a:t>11/10/2025</a:t>
             </a:fld>
             <a:endParaRPr lang="en-US" dirty="0"/>
           </a:p>
@@ -446,8 +455,6 @@
           <a:p>
             <a:fld id="{D57F1E4F-1CFF-5643-939E-217C01CDF565}" type="slidenum">
               <a:rPr lang="en-US" dirty="0"/>
-              <a:pPr/>
-              <a:t>‹#›</a:t>
             </a:fld>
             <a:endParaRPr lang="en-US" dirty="0"/>
           </a:p>
@@ -631,6 +638,7 @@
               <a:rPr lang="en-US" smtClean="0"/>
               <a:t>Click to edit Master text styles</a:t>
             </a:r>
+            <a:endParaRPr lang="en-US" smtClean="0"/>
           </a:p>
         </p:txBody>
       </p:sp>
@@ -651,8 +659,6 @@
           <a:p>
             <a:fld id="{B61BEF0D-F0BB-DE4B-95CE-6DB70DBA9567}" type="datetimeFigureOut">
               <a:rPr lang="en-US" dirty="0"/>
-              <a:pPr/>
-              <a:t>11/10/2025</a:t>
             </a:fld>
             <a:endParaRPr lang="en-US" dirty="0"/>
           </a:p>
@@ -781,8 +787,6 @@
           <a:p>
             <a:fld id="{D57F1E4F-1CFF-5643-939E-217C01CDF565}" type="slidenum">
               <a:rPr lang="en-US" dirty="0"/>
-              <a:pPr/>
-              <a:t>‹#›</a:t>
             </a:fld>
             <a:endParaRPr lang="en-US" dirty="0"/>
           </a:p>
@@ -907,6 +911,7 @@
               <a:rPr lang="en-US" smtClean="0"/>
               <a:t>Click to edit Master text styles</a:t>
             </a:r>
+            <a:endParaRPr lang="en-US" smtClean="0"/>
           </a:p>
         </p:txBody>
       </p:sp>
@@ -1029,6 +1034,7 @@
               <a:rPr lang="en-US" smtClean="0"/>
               <a:t>Click to edit Master text styles</a:t>
             </a:r>
+            <a:endParaRPr lang="en-US" smtClean="0"/>
           </a:p>
         </p:txBody>
       </p:sp>
@@ -1049,8 +1055,6 @@
           <a:p>
             <a:fld id="{B61BEF0D-F0BB-DE4B-95CE-6DB70DBA9567}" type="datetimeFigureOut">
               <a:rPr lang="en-US" dirty="0"/>
-              <a:pPr/>
-              <a:t>11/10/2025</a:t>
             </a:fld>
             <a:endParaRPr lang="en-US" dirty="0"/>
           </a:p>
@@ -1179,8 +1183,6 @@
           <a:p>
             <a:fld id="{D57F1E4F-1CFF-5643-939E-217C01CDF565}" type="slidenum">
               <a:rPr lang="en-US" dirty="0"/>
-              <a:pPr/>
-              <a:t>‹#›</a:t>
             </a:fld>
             <a:endParaRPr lang="en-US" dirty="0"/>
           </a:p>
@@ -1217,10 +1219,20 @@
                   <a:schemeClr val="accent1"/>
                 </a:solidFill>
                 <a:effectLst/>
-                <a:latin typeface="Arial"/>
+                <a:latin typeface="Arial" panose="020B0604020202020204"/>
               </a:rPr>
               <a:t>“</a:t>
             </a:r>
+            <a:endParaRPr lang="en-US" sz="8000" baseline="0" dirty="0">
+              <a:ln w="3175" cmpd="sng">
+                <a:noFill/>
+              </a:ln>
+              <a:solidFill>
+                <a:schemeClr val="accent1"/>
+              </a:solidFill>
+              <a:effectLst/>
+              <a:latin typeface="Arial" panose="020B0604020202020204"/>
+            </a:endParaRPr>
           </a:p>
         </p:txBody>
       </p:sp>
@@ -1255,10 +1267,20 @@
                   <a:schemeClr val="accent1"/>
                 </a:solidFill>
                 <a:effectLst/>
-                <a:latin typeface="Arial"/>
+                <a:latin typeface="Arial" panose="020B0604020202020204"/>
               </a:rPr>
               <a:t>”</a:t>
             </a:r>
+            <a:endParaRPr lang="en-US" sz="8000" baseline="0" dirty="0">
+              <a:ln w="3175" cmpd="sng">
+                <a:noFill/>
+              </a:ln>
+              <a:solidFill>
+                <a:schemeClr val="accent1"/>
+              </a:solidFill>
+              <a:effectLst/>
+              <a:latin typeface="Arial" panose="020B0604020202020204"/>
+            </a:endParaRPr>
           </a:p>
         </p:txBody>
       </p:sp>
@@ -1362,6 +1384,7 @@
               <a:rPr lang="en-US" smtClean="0"/>
               <a:t>Click to edit Master text styles</a:t>
             </a:r>
+            <a:endParaRPr lang="en-US" smtClean="0"/>
           </a:p>
         </p:txBody>
       </p:sp>
@@ -1382,8 +1405,6 @@
           <a:p>
             <a:fld id="{B61BEF0D-F0BB-DE4B-95CE-6DB70DBA9567}" type="datetimeFigureOut">
               <a:rPr lang="en-US" dirty="0"/>
-              <a:pPr/>
-              <a:t>11/10/2025</a:t>
             </a:fld>
             <a:endParaRPr lang="en-US" dirty="0"/>
           </a:p>
@@ -1512,8 +1533,6 @@
           <a:p>
             <a:fld id="{D57F1E4F-1CFF-5643-939E-217C01CDF565}" type="slidenum">
               <a:rPr lang="en-US" dirty="0"/>
-              <a:pPr/>
-              <a:t>‹#›</a:t>
             </a:fld>
             <a:endParaRPr lang="en-US" dirty="0"/>
           </a:p>
@@ -1635,6 +1654,7 @@
               <a:rPr lang="en-US" smtClean="0"/>
               <a:t>Click to edit Master text styles</a:t>
             </a:r>
+            <a:endParaRPr lang="en-US" smtClean="0"/>
           </a:p>
         </p:txBody>
       </p:sp>
@@ -1679,6 +1699,7 @@
               <a:rPr lang="en-US" smtClean="0"/>
               <a:t>Click to edit Master text styles</a:t>
             </a:r>
+            <a:endParaRPr lang="en-US" smtClean="0"/>
           </a:p>
         </p:txBody>
       </p:sp>
@@ -1699,8 +1720,6 @@
           <a:p>
             <a:fld id="{B61BEF0D-F0BB-DE4B-95CE-6DB70DBA9567}" type="datetimeFigureOut">
               <a:rPr lang="en-US" dirty="0"/>
-              <a:pPr/>
-              <a:t>11/10/2025</a:t>
             </a:fld>
             <a:endParaRPr lang="en-US" dirty="0"/>
           </a:p>
@@ -1829,8 +1848,6 @@
           <a:p>
             <a:fld id="{D57F1E4F-1CFF-5643-939E-217C01CDF565}" type="slidenum">
               <a:rPr lang="en-US" dirty="0"/>
-              <a:pPr/>
-              <a:t>‹#›</a:t>
             </a:fld>
             <a:endParaRPr lang="en-US" dirty="0"/>
           </a:p>
@@ -1867,10 +1884,20 @@
                   <a:schemeClr val="accent1"/>
                 </a:solidFill>
                 <a:effectLst/>
-                <a:latin typeface="Arial"/>
+                <a:latin typeface="Arial" panose="020B0604020202020204"/>
               </a:rPr>
               <a:t>“</a:t>
             </a:r>
+            <a:endParaRPr lang="en-US" sz="8000" baseline="0" dirty="0">
+              <a:ln w="3175" cmpd="sng">
+                <a:noFill/>
+              </a:ln>
+              <a:solidFill>
+                <a:schemeClr val="accent1"/>
+              </a:solidFill>
+              <a:effectLst/>
+              <a:latin typeface="Arial" panose="020B0604020202020204"/>
+            </a:endParaRPr>
           </a:p>
         </p:txBody>
       </p:sp>
@@ -1905,10 +1932,20 @@
                   <a:schemeClr val="accent1"/>
                 </a:solidFill>
                 <a:effectLst/>
-                <a:latin typeface="Arial"/>
+                <a:latin typeface="Arial" panose="020B0604020202020204"/>
               </a:rPr>
               <a:t>”</a:t>
             </a:r>
+            <a:endParaRPr lang="en-US" sz="8000" baseline="0" dirty="0">
+              <a:ln w="3175" cmpd="sng">
+                <a:noFill/>
+              </a:ln>
+              <a:solidFill>
+                <a:schemeClr val="accent1"/>
+              </a:solidFill>
+              <a:effectLst/>
+              <a:latin typeface="Arial" panose="020B0604020202020204"/>
+            </a:endParaRPr>
           </a:p>
         </p:txBody>
       </p:sp>
@@ -2028,6 +2065,7 @@
               <a:rPr lang="en-US" smtClean="0"/>
               <a:t>Click to edit Master text styles</a:t>
             </a:r>
+            <a:endParaRPr lang="en-US" smtClean="0"/>
           </a:p>
         </p:txBody>
       </p:sp>
@@ -2072,6 +2110,7 @@
               <a:rPr lang="en-US" smtClean="0"/>
               <a:t>Click to edit Master text styles</a:t>
             </a:r>
+            <a:endParaRPr lang="en-US" smtClean="0"/>
           </a:p>
         </p:txBody>
       </p:sp>
@@ -2092,8 +2131,6 @@
           <a:p>
             <a:fld id="{B61BEF0D-F0BB-DE4B-95CE-6DB70DBA9567}" type="datetimeFigureOut">
               <a:rPr lang="en-US" dirty="0"/>
-              <a:pPr/>
-              <a:t>11/10/2025</a:t>
             </a:fld>
             <a:endParaRPr lang="en-US" dirty="0"/>
           </a:p>
@@ -2222,8 +2259,6 @@
           <a:p>
             <a:fld id="{D57F1E4F-1CFF-5643-939E-217C01CDF565}" type="slidenum">
               <a:rPr lang="en-US" dirty="0"/>
-              <a:pPr/>
-              <a:t>‹#›</a:t>
             </a:fld>
             <a:endParaRPr lang="en-US" dirty="0"/>
           </a:p>
@@ -2297,6 +2332,7 @@
               <a:rPr lang="en-US" smtClean="0"/>
               <a:t>Click to edit Master text styles</a:t>
             </a:r>
+            <a:endParaRPr lang="en-US" smtClean="0"/>
           </a:p>
           <a:p>
             <a:pPr lvl="1"/>
@@ -2304,6 +2340,7 @@
               <a:rPr lang="en-US" smtClean="0"/>
               <a:t>Second level</a:t>
             </a:r>
+            <a:endParaRPr lang="en-US" smtClean="0"/>
           </a:p>
           <a:p>
             <a:pPr lvl="2"/>
@@ -2311,6 +2348,7 @@
               <a:rPr lang="en-US" smtClean="0"/>
               <a:t>Third level</a:t>
             </a:r>
+            <a:endParaRPr lang="en-US" smtClean="0"/>
           </a:p>
           <a:p>
             <a:pPr lvl="3"/>
@@ -2318,6 +2356,7 @@
               <a:rPr lang="en-US" smtClean="0"/>
               <a:t>Fourth level</a:t>
             </a:r>
+            <a:endParaRPr lang="en-US" smtClean="0"/>
           </a:p>
           <a:p>
             <a:pPr lvl="4"/>
@@ -2346,8 +2385,6 @@
           <a:p>
             <a:fld id="{B61BEF0D-F0BB-DE4B-95CE-6DB70DBA9567}" type="datetimeFigureOut">
               <a:rPr lang="en-US" dirty="0"/>
-              <a:pPr/>
-              <a:t>11/10/2025</a:t>
             </a:fld>
             <a:endParaRPr lang="en-US" dirty="0"/>
           </a:p>
@@ -2471,8 +2508,6 @@
           <a:p>
             <a:fld id="{D57F1E4F-1CFF-5643-939E-217C01CDF565}" type="slidenum">
               <a:rPr lang="en-US" dirty="0"/>
-              <a:pPr/>
-              <a:t>‹#›</a:t>
             </a:fld>
             <a:endParaRPr lang="en-US" dirty="0"/>
           </a:p>
@@ -2556,6 +2591,7 @@
               <a:rPr lang="en-US" smtClean="0"/>
               <a:t>Click to edit Master text styles</a:t>
             </a:r>
+            <a:endParaRPr lang="en-US" smtClean="0"/>
           </a:p>
           <a:p>
             <a:pPr lvl="1"/>
@@ -2563,6 +2599,7 @@
               <a:rPr lang="en-US" smtClean="0"/>
               <a:t>Second level</a:t>
             </a:r>
+            <a:endParaRPr lang="en-US" smtClean="0"/>
           </a:p>
           <a:p>
             <a:pPr lvl="2"/>
@@ -2570,6 +2607,7 @@
               <a:rPr lang="en-US" smtClean="0"/>
               <a:t>Third level</a:t>
             </a:r>
+            <a:endParaRPr lang="en-US" smtClean="0"/>
           </a:p>
           <a:p>
             <a:pPr lvl="3"/>
@@ -2577,6 +2615,7 @@
               <a:rPr lang="en-US" smtClean="0"/>
               <a:t>Fourth level</a:t>
             </a:r>
+            <a:endParaRPr lang="en-US" smtClean="0"/>
           </a:p>
           <a:p>
             <a:pPr lvl="4"/>
@@ -2605,8 +2644,6 @@
           <a:p>
             <a:fld id="{B61BEF0D-F0BB-DE4B-95CE-6DB70DBA9567}" type="datetimeFigureOut">
               <a:rPr lang="en-US" dirty="0"/>
-              <a:pPr/>
-              <a:t>11/10/2025</a:t>
             </a:fld>
             <a:endParaRPr lang="en-US" dirty="0"/>
           </a:p>
@@ -2730,8 +2767,6 @@
           <a:p>
             <a:fld id="{D57F1E4F-1CFF-5643-939E-217C01CDF565}" type="slidenum">
               <a:rPr lang="en-US" dirty="0"/>
-              <a:pPr/>
-              <a:t>‹#›</a:t>
             </a:fld>
             <a:endParaRPr lang="en-US" dirty="0"/>
           </a:p>
@@ -2815,6 +2850,7 @@
               <a:rPr lang="en-US" smtClean="0"/>
               <a:t>Click to edit Master text styles</a:t>
             </a:r>
+            <a:endParaRPr lang="en-US" smtClean="0"/>
           </a:p>
           <a:p>
             <a:pPr lvl="1"/>
@@ -2822,6 +2858,7 @@
               <a:rPr lang="en-US" smtClean="0"/>
               <a:t>Second level</a:t>
             </a:r>
+            <a:endParaRPr lang="en-US" smtClean="0"/>
           </a:p>
           <a:p>
             <a:pPr lvl="2"/>
@@ -2829,6 +2866,7 @@
               <a:rPr lang="en-US" smtClean="0"/>
               <a:t>Third level</a:t>
             </a:r>
+            <a:endParaRPr lang="en-US" smtClean="0"/>
           </a:p>
           <a:p>
             <a:pPr lvl="3"/>
@@ -2836,6 +2874,7 @@
               <a:rPr lang="en-US" smtClean="0"/>
               <a:t>Fourth level</a:t>
             </a:r>
+            <a:endParaRPr lang="en-US" smtClean="0"/>
           </a:p>
           <a:p>
             <a:pPr lvl="4"/>
@@ -2864,8 +2903,6 @@
           <a:p>
             <a:fld id="{B61BEF0D-F0BB-DE4B-95CE-6DB70DBA9567}" type="datetimeFigureOut">
               <a:rPr lang="en-US" dirty="0"/>
-              <a:pPr/>
-              <a:t>11/10/2025</a:t>
             </a:fld>
             <a:endParaRPr lang="en-US" dirty="0"/>
           </a:p>
@@ -2989,8 +3026,6 @@
           <a:p>
             <a:fld id="{D57F1E4F-1CFF-5643-939E-217C01CDF565}" type="slidenum">
               <a:rPr lang="en-US" dirty="0"/>
-              <a:pPr/>
-              <a:t>‹#›</a:t>
             </a:fld>
             <a:endParaRPr lang="en-US" dirty="0"/>
           </a:p>
@@ -3170,6 +3205,7 @@
               <a:rPr lang="en-US" smtClean="0"/>
               <a:t>Click to edit Master text styles</a:t>
             </a:r>
+            <a:endParaRPr lang="en-US" smtClean="0"/>
           </a:p>
         </p:txBody>
       </p:sp>
@@ -3190,8 +3226,6 @@
           <a:p>
             <a:fld id="{B61BEF0D-F0BB-DE4B-95CE-6DB70DBA9567}" type="datetimeFigureOut">
               <a:rPr lang="en-US" dirty="0"/>
-              <a:pPr/>
-              <a:t>11/10/2025</a:t>
             </a:fld>
             <a:endParaRPr lang="en-US" dirty="0"/>
           </a:p>
@@ -3320,8 +3354,6 @@
           <a:p>
             <a:fld id="{D57F1E4F-1CFF-5643-939E-217C01CDF565}" type="slidenum">
               <a:rPr lang="en-US" dirty="0"/>
-              <a:pPr/>
-              <a:t>‹#›</a:t>
             </a:fld>
             <a:endParaRPr lang="en-US" dirty="0"/>
           </a:p>
@@ -3402,6 +3434,7 @@
               <a:rPr lang="en-US" smtClean="0"/>
               <a:t>Click to edit Master text styles</a:t>
             </a:r>
+            <a:endParaRPr lang="en-US" smtClean="0"/>
           </a:p>
           <a:p>
             <a:pPr lvl="1"/>
@@ -3409,6 +3442,7 @@
               <a:rPr lang="en-US" smtClean="0"/>
               <a:t>Second level</a:t>
             </a:r>
+            <a:endParaRPr lang="en-US" smtClean="0"/>
           </a:p>
           <a:p>
             <a:pPr lvl="2"/>
@@ -3416,6 +3450,7 @@
               <a:rPr lang="en-US" smtClean="0"/>
               <a:t>Third level</a:t>
             </a:r>
+            <a:endParaRPr lang="en-US" smtClean="0"/>
           </a:p>
           <a:p>
             <a:pPr lvl="3"/>
@@ -3423,6 +3458,7 @@
               <a:rPr lang="en-US" smtClean="0"/>
               <a:t>Fourth level</a:t>
             </a:r>
+            <a:endParaRPr lang="en-US" smtClean="0"/>
           </a:p>
           <a:p>
             <a:pPr lvl="4"/>
@@ -3461,6 +3497,7 @@
               <a:rPr lang="en-US" smtClean="0"/>
               <a:t>Click to edit Master text styles</a:t>
             </a:r>
+            <a:endParaRPr lang="en-US" smtClean="0"/>
           </a:p>
           <a:p>
             <a:pPr lvl="1"/>
@@ -3468,6 +3505,7 @@
               <a:rPr lang="en-US" smtClean="0"/>
               <a:t>Second level</a:t>
             </a:r>
+            <a:endParaRPr lang="en-US" smtClean="0"/>
           </a:p>
           <a:p>
             <a:pPr lvl="2"/>
@@ -3475,6 +3513,7 @@
               <a:rPr lang="en-US" smtClean="0"/>
               <a:t>Third level</a:t>
             </a:r>
+            <a:endParaRPr lang="en-US" smtClean="0"/>
           </a:p>
           <a:p>
             <a:pPr lvl="3"/>
@@ -3482,6 +3521,7 @@
               <a:rPr lang="en-US" smtClean="0"/>
               <a:t>Fourth level</a:t>
             </a:r>
+            <a:endParaRPr lang="en-US" smtClean="0"/>
           </a:p>
           <a:p>
             <a:pPr lvl="4"/>
@@ -3510,8 +3550,6 @@
           <a:p>
             <a:fld id="{B61BEF0D-F0BB-DE4B-95CE-6DB70DBA9567}" type="datetimeFigureOut">
               <a:rPr lang="en-US" dirty="0"/>
-              <a:pPr/>
-              <a:t>11/10/2025</a:t>
             </a:fld>
             <a:endParaRPr lang="en-US" dirty="0"/>
           </a:p>
@@ -3640,8 +3678,6 @@
           <a:p>
             <a:fld id="{D57F1E4F-1CFF-5643-939E-217C01CDF565}" type="slidenum">
               <a:rPr lang="en-US" dirty="0"/>
-              <a:pPr/>
-              <a:t>‹#›</a:t>
             </a:fld>
             <a:endParaRPr lang="en-US" dirty="0"/>
           </a:p>
@@ -3759,6 +3795,7 @@
               <a:rPr lang="en-US" smtClean="0"/>
               <a:t>Click to edit Master text styles</a:t>
             </a:r>
+            <a:endParaRPr lang="en-US" smtClean="0"/>
           </a:p>
         </p:txBody>
       </p:sp>
@@ -3789,6 +3826,7 @@
               <a:rPr lang="en-US" smtClean="0"/>
               <a:t>Click to edit Master text styles</a:t>
             </a:r>
+            <a:endParaRPr lang="en-US" smtClean="0"/>
           </a:p>
           <a:p>
             <a:pPr lvl="1"/>
@@ -3796,6 +3834,7 @@
               <a:rPr lang="en-US" smtClean="0"/>
               <a:t>Second level</a:t>
             </a:r>
+            <a:endParaRPr lang="en-US" smtClean="0"/>
           </a:p>
           <a:p>
             <a:pPr lvl="2"/>
@@ -3803,6 +3842,7 @@
               <a:rPr lang="en-US" smtClean="0"/>
               <a:t>Third level</a:t>
             </a:r>
+            <a:endParaRPr lang="en-US" smtClean="0"/>
           </a:p>
           <a:p>
             <a:pPr lvl="3"/>
@@ -3810,6 +3850,7 @@
               <a:rPr lang="en-US" smtClean="0"/>
               <a:t>Fourth level</a:t>
             </a:r>
+            <a:endParaRPr lang="en-US" smtClean="0"/>
           </a:p>
           <a:p>
             <a:pPr lvl="4"/>
@@ -3885,6 +3926,7 @@
               <a:rPr lang="en-US" smtClean="0"/>
               <a:t>Click to edit Master text styles</a:t>
             </a:r>
+            <a:endParaRPr lang="en-US" smtClean="0"/>
           </a:p>
         </p:txBody>
       </p:sp>
@@ -3915,6 +3957,7 @@
               <a:rPr lang="en-US" smtClean="0"/>
               <a:t>Click to edit Master text styles</a:t>
             </a:r>
+            <a:endParaRPr lang="en-US" smtClean="0"/>
           </a:p>
           <a:p>
             <a:pPr lvl="1"/>
@@ -3922,6 +3965,7 @@
               <a:rPr lang="en-US" smtClean="0"/>
               <a:t>Second level</a:t>
             </a:r>
+            <a:endParaRPr lang="en-US" smtClean="0"/>
           </a:p>
           <a:p>
             <a:pPr lvl="2"/>
@@ -3929,6 +3973,7 @@
               <a:rPr lang="en-US" smtClean="0"/>
               <a:t>Third level</a:t>
             </a:r>
+            <a:endParaRPr lang="en-US" smtClean="0"/>
           </a:p>
           <a:p>
             <a:pPr lvl="3"/>
@@ -3936,6 +3981,7 @@
               <a:rPr lang="en-US" smtClean="0"/>
               <a:t>Fourth level</a:t>
             </a:r>
+            <a:endParaRPr lang="en-US" smtClean="0"/>
           </a:p>
           <a:p>
             <a:pPr lvl="4"/>
@@ -3964,8 +4010,6 @@
           <a:p>
             <a:fld id="{B61BEF0D-F0BB-DE4B-95CE-6DB70DBA9567}" type="datetimeFigureOut">
               <a:rPr lang="en-US" dirty="0"/>
-              <a:pPr/>
-              <a:t>11/10/2025</a:t>
             </a:fld>
             <a:endParaRPr lang="en-US" dirty="0"/>
           </a:p>
@@ -4094,8 +4138,6 @@
           <a:p>
             <a:fld id="{D57F1E4F-1CFF-5643-939E-217C01CDF565}" type="slidenum">
               <a:rPr lang="en-US" dirty="0"/>
-              <a:pPr/>
-              <a:t>‹#›</a:t>
             </a:fld>
             <a:endParaRPr lang="en-US" dirty="0"/>
           </a:p>
@@ -4166,8 +4208,6 @@
           <a:p>
             <a:fld id="{B61BEF0D-F0BB-DE4B-95CE-6DB70DBA9567}" type="datetimeFigureOut">
               <a:rPr lang="en-US" dirty="0"/>
-              <a:pPr/>
-              <a:t>11/10/2025</a:t>
             </a:fld>
             <a:endParaRPr lang="en-US" dirty="0"/>
           </a:p>
@@ -4291,8 +4331,6 @@
           <a:p>
             <a:fld id="{D57F1E4F-1CFF-5643-939E-217C01CDF565}" type="slidenum">
               <a:rPr lang="en-US" dirty="0"/>
-              <a:pPr/>
-              <a:t>‹#›</a:t>
             </a:fld>
             <a:endParaRPr lang="en-US" dirty="0"/>
           </a:p>
@@ -4340,8 +4378,6 @@
           <a:p>
             <a:fld id="{B61BEF0D-F0BB-DE4B-95CE-6DB70DBA9567}" type="datetimeFigureOut">
               <a:rPr lang="en-US" dirty="0"/>
-              <a:pPr/>
-              <a:t>11/10/2025</a:t>
             </a:fld>
             <a:endParaRPr lang="en-US" dirty="0"/>
           </a:p>
@@ -4465,8 +4501,6 @@
           <a:p>
             <a:fld id="{D57F1E4F-1CFF-5643-939E-217C01CDF565}" type="slidenum">
               <a:rPr lang="en-US" dirty="0"/>
-              <a:pPr/>
-              <a:t>‹#›</a:t>
             </a:fld>
             <a:endParaRPr lang="en-US" dirty="0"/>
           </a:p>
@@ -4556,6 +4590,7 @@
               <a:rPr lang="en-US" smtClean="0"/>
               <a:t>Click to edit Master text styles</a:t>
             </a:r>
+            <a:endParaRPr lang="en-US" smtClean="0"/>
           </a:p>
           <a:p>
             <a:pPr lvl="1"/>
@@ -4563,6 +4598,7 @@
               <a:rPr lang="en-US" smtClean="0"/>
               <a:t>Second level</a:t>
             </a:r>
+            <a:endParaRPr lang="en-US" smtClean="0"/>
           </a:p>
           <a:p>
             <a:pPr lvl="2"/>
@@ -4570,6 +4606,7 @@
               <a:rPr lang="en-US" smtClean="0"/>
               <a:t>Third level</a:t>
             </a:r>
+            <a:endParaRPr lang="en-US" smtClean="0"/>
           </a:p>
           <a:p>
             <a:pPr lvl="3"/>
@@ -4577,6 +4614,7 @@
               <a:rPr lang="en-US" smtClean="0"/>
               <a:t>Fourth level</a:t>
             </a:r>
+            <a:endParaRPr lang="en-US" smtClean="0"/>
           </a:p>
           <a:p>
             <a:pPr lvl="4"/>
@@ -4650,6 +4688,7 @@
               <a:rPr lang="en-US" smtClean="0"/>
               <a:t>Click to edit Master text styles</a:t>
             </a:r>
+            <a:endParaRPr lang="en-US" smtClean="0"/>
           </a:p>
         </p:txBody>
       </p:sp>
@@ -4670,8 +4709,6 @@
           <a:p>
             <a:fld id="{B61BEF0D-F0BB-DE4B-95CE-6DB70DBA9567}" type="datetimeFigureOut">
               <a:rPr lang="en-US" dirty="0"/>
-              <a:pPr/>
-              <a:t>11/10/2025</a:t>
             </a:fld>
             <a:endParaRPr lang="en-US" dirty="0"/>
           </a:p>
@@ -4795,8 +4832,6 @@
           <a:p>
             <a:fld id="{D57F1E4F-1CFF-5643-939E-217C01CDF565}" type="slidenum">
               <a:rPr lang="en-US" dirty="0"/>
-              <a:pPr/>
-              <a:t>‹#›</a:t>
             </a:fld>
             <a:endParaRPr lang="en-US" dirty="0"/>
           </a:p>
@@ -4992,6 +5027,7 @@
               <a:rPr lang="en-US" smtClean="0"/>
               <a:t>Click to edit Master text styles</a:t>
             </a:r>
+            <a:endParaRPr lang="en-US" smtClean="0"/>
           </a:p>
         </p:txBody>
       </p:sp>
@@ -5012,8 +5048,6 @@
           <a:p>
             <a:fld id="{B61BEF0D-F0BB-DE4B-95CE-6DB70DBA9567}" type="datetimeFigureOut">
               <a:rPr lang="en-US" dirty="0"/>
-              <a:pPr/>
-              <a:t>11/10/2025</a:t>
             </a:fld>
             <a:endParaRPr lang="en-US" dirty="0"/>
           </a:p>
@@ -5142,8 +5176,6 @@
           <a:p>
             <a:fld id="{D57F1E4F-1CFF-5643-939E-217C01CDF565}" type="slidenum">
               <a:rPr lang="en-US" dirty="0"/>
-              <a:pPr/>
-              <a:t>‹#›</a:t>
             </a:fld>
             <a:endParaRPr lang="en-US" dirty="0"/>
           </a:p>
@@ -7059,6 +7091,7 @@
               <a:rPr lang="en-US" smtClean="0"/>
               <a:t>Click to edit Master text styles</a:t>
             </a:r>
+            <a:endParaRPr lang="en-US" smtClean="0"/>
           </a:p>
           <a:p>
             <a:pPr lvl="1"/>
@@ -7066,6 +7099,7 @@
               <a:rPr lang="en-US" smtClean="0"/>
               <a:t>Second level</a:t>
             </a:r>
+            <a:endParaRPr lang="en-US" smtClean="0"/>
           </a:p>
           <a:p>
             <a:pPr lvl="2"/>
@@ -7073,6 +7107,7 @@
               <a:rPr lang="en-US" smtClean="0"/>
               <a:t>Third level</a:t>
             </a:r>
+            <a:endParaRPr lang="en-US" smtClean="0"/>
           </a:p>
           <a:p>
             <a:pPr lvl="3"/>
@@ -7080,6 +7115,7 @@
               <a:rPr lang="en-US" smtClean="0"/>
               <a:t>Fourth level</a:t>
             </a:r>
+            <a:endParaRPr lang="en-US" smtClean="0"/>
           </a:p>
           <a:p>
             <a:pPr lvl="4"/>
@@ -7126,8 +7162,6 @@
           <a:p>
             <a:fld id="{B61BEF0D-F0BB-DE4B-95CE-6DB70DBA9567}" type="datetimeFigureOut">
               <a:rPr lang="en-US" dirty="0"/>
-              <a:pPr/>
-              <a:t>11/10/2025</a:t>
             </a:fld>
             <a:endParaRPr lang="en-US" dirty="0"/>
           </a:p>
@@ -7203,8 +7237,6 @@
           <a:p>
             <a:fld id="{D57F1E4F-1CFF-5643-939E-217C01CDF565}" type="slidenum">
               <a:rPr lang="en-US" dirty="0"/>
-              <a:pPr/>
-              <a:t>‹#›</a:t>
             </a:fld>
             <a:endParaRPr lang="en-US" dirty="0"/>
           </a:p>
@@ -7223,13 +7255,13 @@
     <p:sldLayoutId id="2147483655" r:id="rId7"/>
     <p:sldLayoutId id="2147483656" r:id="rId8"/>
     <p:sldLayoutId id="2147483657" r:id="rId9"/>
-    <p:sldLayoutId id="2147483660" r:id="rId10"/>
-    <p:sldLayoutId id="2147483661" r:id="rId11"/>
-    <p:sldLayoutId id="2147483662" r:id="rId12"/>
-    <p:sldLayoutId id="2147483663" r:id="rId13"/>
-    <p:sldLayoutId id="2147483664" r:id="rId14"/>
-    <p:sldLayoutId id="2147483658" r:id="rId15"/>
-    <p:sldLayoutId id="2147483659" r:id="rId16"/>
+    <p:sldLayoutId id="2147483658" r:id="rId10"/>
+    <p:sldLayoutId id="2147483659" r:id="rId11"/>
+    <p:sldLayoutId id="2147483660" r:id="rId12"/>
+    <p:sldLayoutId id="2147483661" r:id="rId13"/>
+    <p:sldLayoutId id="2147483662" r:id="rId14"/>
+    <p:sldLayoutId id="2147483663" r:id="rId15"/>
+    <p:sldLayoutId id="2147483664" r:id="rId16"/>
   </p:sldLayoutIdLst>
   <p:txStyles>
     <p:titleStyle>
@@ -7318,7 +7350,7 @@
         <a:buClr>
           <a:schemeClr val="accent1"/>
         </a:buClr>
-        <a:buFont typeface="Wingdings 3" charset="2"/>
+        <a:buFont typeface="Wingdings 3" panose="05040102010807070707" charset="2"/>
         <a:buChar char=""/>
         <a:defRPr sz="1800" kern="1200">
           <a:solidFill>
@@ -7342,7 +7374,7 @@
         <a:buClr>
           <a:schemeClr val="accent1"/>
         </a:buClr>
-        <a:buFont typeface="Wingdings 3" charset="2"/>
+        <a:buFont typeface="Wingdings 3" panose="05040102010807070707" charset="2"/>
         <a:buChar char=""/>
         <a:defRPr sz="1600" kern="1200">
           <a:solidFill>
@@ -7366,7 +7398,7 @@
         <a:buClr>
           <a:schemeClr val="accent1"/>
         </a:buClr>
-        <a:buFont typeface="Wingdings 3" charset="2"/>
+        <a:buFont typeface="Wingdings 3" panose="05040102010807070707" charset="2"/>
         <a:buChar char=""/>
         <a:defRPr sz="1400" kern="1200">
           <a:solidFill>
@@ -7390,7 +7422,7 @@
         <a:buClr>
           <a:schemeClr val="accent1"/>
         </a:buClr>
-        <a:buFont typeface="Wingdings 3" charset="2"/>
+        <a:buFont typeface="Wingdings 3" panose="05040102010807070707" charset="2"/>
         <a:buChar char=""/>
         <a:defRPr sz="1200" kern="1200">
           <a:solidFill>
@@ -7414,7 +7446,7 @@
         <a:buClr>
           <a:schemeClr val="accent1"/>
         </a:buClr>
-        <a:buFont typeface="Wingdings 3" charset="2"/>
+        <a:buFont typeface="Wingdings 3" panose="05040102010807070707" charset="2"/>
         <a:buChar char=""/>
         <a:defRPr sz="1200" kern="1200">
           <a:solidFill>
@@ -7438,7 +7470,7 @@
         <a:buClr>
           <a:schemeClr val="accent1"/>
         </a:buClr>
-        <a:buFont typeface="Wingdings 3" charset="2"/>
+        <a:buFont typeface="Wingdings 3" panose="05040102010807070707" charset="2"/>
         <a:buChar char=""/>
         <a:defRPr sz="1200" kern="1200">
           <a:solidFill>
@@ -7462,7 +7494,7 @@
         <a:buClr>
           <a:schemeClr val="accent1"/>
         </a:buClr>
-        <a:buFont typeface="Wingdings 3" charset="2"/>
+        <a:buFont typeface="Wingdings 3" panose="05040102010807070707" charset="2"/>
         <a:buChar char=""/>
         <a:defRPr sz="1200" kern="1200">
           <a:solidFill>
@@ -7486,7 +7518,7 @@
         <a:buClr>
           <a:schemeClr val="accent1"/>
         </a:buClr>
-        <a:buFont typeface="Wingdings 3" charset="2"/>
+        <a:buFont typeface="Wingdings 3" panose="05040102010807070707" charset="2"/>
         <a:buChar char=""/>
         <a:defRPr sz="1200" kern="1200">
           <a:solidFill>
@@ -7510,7 +7542,7 @@
         <a:buClr>
           <a:schemeClr val="accent1"/>
         </a:buClr>
-        <a:buFont typeface="Wingdings 3" charset="2"/>
+        <a:buFont typeface="Wingdings 3" panose="05040102010807070707" charset="2"/>
         <a:buChar char=""/>
         <a:defRPr sz="1200" kern="1200">
           <a:solidFill>
@@ -7672,17 +7704,9 @@
               <a:rPr lang="en-GB" sz="2400" b="1" dirty="0" err="1" smtClean="0"/>
               <a:t>Oluwajembola</a:t>
             </a:r>
-            <a:r>
-              <a:rPr lang="en-US" sz="2400" b="1" dirty="0"/>
-              <a:t/>
-            </a:r>
             <a:br>
               <a:rPr lang="en-US" sz="2400" b="1" dirty="0"/>
             </a:br>
-            <a:r>
-              <a:rPr lang="en-US" sz="2400" b="1" dirty="0" smtClean="0"/>
-              <a:t/>
-            </a:r>
             <a:br>
               <a:rPr lang="en-US" sz="2400" b="1" dirty="0" smtClean="0"/>
             </a:br>
@@ -7693,9 +7717,7 @@
       <p:sp>
         <p:nvSpPr>
           <p:cNvPr id="4" name="Title 1"/>
-          <p:cNvSpPr txBox="1">
-            <a:spLocks/>
-          </p:cNvSpPr>
+          <p:cNvSpPr txBox="1"/>
           <p:nvPr/>
         </p:nvSpPr>
         <p:spPr>
@@ -7792,17 +7814,9 @@
               <a:rPr lang="en-GB" sz="3400" b="1" dirty="0" smtClean="0"/>
               <a:t>PROJECT MANAGEMENT FUNDAMENTALS</a:t>
             </a:r>
-            <a:r>
-              <a:rPr lang="en-GB" sz="3200" b="1" dirty="0" smtClean="0"/>
-              <a:t/>
-            </a:r>
             <a:br>
               <a:rPr lang="en-GB" sz="3200" b="1" dirty="0" smtClean="0"/>
             </a:br>
-            <a:r>
-              <a:rPr lang="en-GB" sz="3200" b="1" dirty="0" smtClean="0"/>
-              <a:t/>
-            </a:r>
             <a:br>
               <a:rPr lang="en-GB" sz="3200" b="1" dirty="0" smtClean="0"/>
             </a:br>
@@ -7815,11 +7829,6 @@
         </p:txBody>
       </p:sp>
     </p:spTree>
-    <p:extLst>
-      <p:ext uri="{BB962C8B-B14F-4D97-AF65-F5344CB8AC3E}">
-        <p14:creationId xmlns:p14="http://schemas.microsoft.com/office/powerpoint/2010/main" val="3715885106"/>
-      </p:ext>
-    </p:extLst>
   </p:cSld>
   <p:clrMapOvr>
     <a:masterClrMapping/>
@@ -7928,7 +7937,7 @@
           <p:nvPr/>
         </p:nvPicPr>
         <p:blipFill>
-          <a:blip r:embed="rId2"/>
+          <a:blip r:embed="rId1"/>
           <a:stretch>
             <a:fillRect/>
           </a:stretch>
@@ -7944,11 +7953,6 @@
         </p:spPr>
       </p:pic>
     </p:spTree>
-    <p:extLst>
-      <p:ext uri="{BB962C8B-B14F-4D97-AF65-F5344CB8AC3E}">
-        <p14:creationId xmlns:p14="http://schemas.microsoft.com/office/powerpoint/2010/main" val="3516493914"/>
-      </p:ext>
-    </p:extLst>
   </p:cSld>
   <p:clrMapOvr>
     <a:masterClrMapping/>
@@ -8040,6 +8044,7 @@
               <a:rPr lang="en-GB" sz="3200" dirty="0" smtClean="0"/>
               <a:t>Project comes in several ways and there are diverse ways to handle them.</a:t>
             </a:r>
+            <a:endParaRPr lang="en-GB" sz="3200" dirty="0" smtClean="0"/>
           </a:p>
           <a:p>
             <a:pPr marL="0" indent="0" algn="just">
@@ -8062,11 +8067,6 @@
         </p:txBody>
       </p:sp>
     </p:spTree>
-    <p:extLst>
-      <p:ext uri="{BB962C8B-B14F-4D97-AF65-F5344CB8AC3E}">
-        <p14:creationId xmlns:p14="http://schemas.microsoft.com/office/powerpoint/2010/main" val="3765766247"/>
-      </p:ext>
-    </p:extLst>
   </p:cSld>
   <p:clrMapOvr>
     <a:masterClrMapping/>
@@ -8158,6 +8158,7 @@
               <a:rPr lang="en-GB" sz="3200" dirty="0" smtClean="0"/>
               <a:t>The PM practice guide refers to four types of life cycles:</a:t>
             </a:r>
+            <a:endParaRPr lang="en-GB" sz="3200" dirty="0" smtClean="0"/>
           </a:p>
           <a:p>
             <a:pPr algn="just"/>
@@ -8197,6 +8198,7 @@
               <a:rPr lang="en-US" sz="3200" dirty="0" smtClean="0"/>
               <a:t>.</a:t>
             </a:r>
+            <a:endParaRPr lang="en-US" sz="3200" dirty="0" smtClean="0"/>
           </a:p>
           <a:p>
             <a:pPr algn="just"/>
@@ -8229,11 +8231,6 @@
         </p:txBody>
       </p:sp>
     </p:spTree>
-    <p:extLst>
-      <p:ext uri="{BB962C8B-B14F-4D97-AF65-F5344CB8AC3E}">
-        <p14:creationId xmlns:p14="http://schemas.microsoft.com/office/powerpoint/2010/main" val="534410840"/>
-      </p:ext>
-    </p:extLst>
   </p:cSld>
   <p:clrMapOvr>
     <a:masterClrMapping/>
@@ -8343,6 +8340,7 @@
               <a:rPr lang="en-US" sz="3200" dirty="0"/>
               <a:t>that the customer may be able to use immediately.</a:t>
             </a:r>
+            <a:endParaRPr lang="en-US" sz="3200" dirty="0"/>
           </a:p>
           <a:p>
             <a:pPr algn="just"/>
@@ -8371,11 +8369,6 @@
         </p:txBody>
       </p:sp>
     </p:spTree>
-    <p:extLst>
-      <p:ext uri="{BB962C8B-B14F-4D97-AF65-F5344CB8AC3E}">
-        <p14:creationId xmlns:p14="http://schemas.microsoft.com/office/powerpoint/2010/main" val="2946177310"/>
-      </p:ext>
-    </p:extLst>
   </p:cSld>
   <p:clrMapOvr>
     <a:masterClrMapping/>
@@ -8478,7 +8471,7 @@
           <p:nvPr/>
         </p:nvPicPr>
         <p:blipFill>
-          <a:blip r:embed="rId2"/>
+          <a:blip r:embed="rId1"/>
           <a:stretch>
             <a:fillRect/>
           </a:stretch>
@@ -8494,11 +8487,6 @@
         </p:spPr>
       </p:pic>
     </p:spTree>
-    <p:extLst>
-      <p:ext uri="{BB962C8B-B14F-4D97-AF65-F5344CB8AC3E}">
-        <p14:creationId xmlns:p14="http://schemas.microsoft.com/office/powerpoint/2010/main" val="3501034848"/>
-      </p:ext>
-    </p:extLst>
   </p:cSld>
   <p:clrMapOvr>
     <a:masterClrMapping/>
@@ -8597,11 +8585,6 @@
         </p:txBody>
       </p:sp>
     </p:spTree>
-    <p:extLst>
-      <p:ext uri="{BB962C8B-B14F-4D97-AF65-F5344CB8AC3E}">
-        <p14:creationId xmlns:p14="http://schemas.microsoft.com/office/powerpoint/2010/main" val="3116718623"/>
-      </p:ext>
-    </p:extLst>
   </p:cSld>
   <p:clrMapOvr>
     <a:masterClrMapping/>
@@ -8660,6 +8643,7 @@
               <a:rPr lang="en-GB" sz="3200" b="1" dirty="0"/>
               <a:t>Predictive Approach</a:t>
             </a:r>
+            <a:endParaRPr lang="en-GB" sz="3200" b="1" dirty="0"/>
           </a:p>
         </p:txBody>
       </p:sp>
@@ -8690,6 +8674,7 @@
               <a:rPr lang="en-GB" sz="3200" dirty="0" smtClean="0"/>
               <a:t>Sign off</a:t>
             </a:r>
+            <a:endParaRPr lang="en-GB" sz="3200" dirty="0" smtClean="0"/>
           </a:p>
           <a:p>
             <a:pPr algn="just"/>
@@ -8697,6 +8682,7 @@
               <a:rPr lang="en-GB" sz="3200" dirty="0" smtClean="0"/>
               <a:t>Conduct a formal post-mortem</a:t>
             </a:r>
+            <a:endParaRPr lang="en-GB" sz="3200" dirty="0" smtClean="0"/>
           </a:p>
           <a:p>
             <a:pPr marL="0" indent="0" algn="just">
@@ -8715,11 +8701,6 @@
         </p:txBody>
       </p:sp>
     </p:spTree>
-    <p:extLst>
-      <p:ext uri="{BB962C8B-B14F-4D97-AF65-F5344CB8AC3E}">
-        <p14:creationId xmlns:p14="http://schemas.microsoft.com/office/powerpoint/2010/main" val="2319377797"/>
-      </p:ext>
-    </p:extLst>
   </p:cSld>
   <p:clrMapOvr>
     <a:masterClrMapping/>
@@ -8789,13 +8770,7 @@
           <p:cNvGraphicFramePr>
             <a:graphicFrameLocks noGrp="1"/>
           </p:cNvGraphicFramePr>
-          <p:nvPr>
-            <p:extLst>
-              <p:ext uri="{D42A27DB-BD31-4B8C-83A1-F6EECF244321}">
-                <p14:modId xmlns:p14="http://schemas.microsoft.com/office/powerpoint/2010/main" val="3533446746"/>
-              </p:ext>
-            </p:extLst>
-          </p:nvPr>
+          <p:nvPr/>
         </p:nvGraphicFramePr>
         <p:xfrm>
           <a:off x="0" y="1043353"/>
@@ -8835,8 +8810,8 @@
                       </a:r>
                       <a:endParaRPr lang="en-US" sz="2000" dirty="0">
                         <a:effectLst/>
-                        <a:latin typeface="Arial"/>
-                        <a:ea typeface="Arial"/>
+                        <a:latin typeface="Arial" panose="020B0604020202020204"/>
+                        <a:ea typeface="Arial" panose="020B0604020202020204"/>
                       </a:endParaRPr>
                     </a:p>
                   </a:txBody>
@@ -8863,8 +8838,8 @@
                       </a:r>
                       <a:endParaRPr lang="en-US" sz="2000">
                         <a:effectLst/>
-                        <a:latin typeface="Arial"/>
-                        <a:ea typeface="Arial"/>
+                        <a:latin typeface="Arial" panose="020B0604020202020204"/>
+                        <a:ea typeface="Arial" panose="020B0604020202020204"/>
                       </a:endParaRPr>
                     </a:p>
                   </a:txBody>
@@ -8891,8 +8866,8 @@
                       </a:r>
                       <a:endParaRPr lang="en-US" sz="2000">
                         <a:effectLst/>
-                        <a:latin typeface="Arial"/>
-                        <a:ea typeface="Arial"/>
+                        <a:latin typeface="Arial" panose="020B0604020202020204"/>
+                        <a:ea typeface="Arial" panose="020B0604020202020204"/>
                       </a:endParaRPr>
                     </a:p>
                   </a:txBody>
@@ -8919,8 +8894,8 @@
                       </a:r>
                       <a:endParaRPr lang="en-US" sz="2000">
                         <a:effectLst/>
-                        <a:latin typeface="Arial"/>
-                        <a:ea typeface="Arial"/>
+                        <a:latin typeface="Arial" panose="020B0604020202020204"/>
+                        <a:ea typeface="Arial" panose="020B0604020202020204"/>
                       </a:endParaRPr>
                     </a:p>
                   </a:txBody>
@@ -8949,8 +8924,8 @@
                       </a:r>
                       <a:endParaRPr lang="en-US" sz="2000" dirty="0">
                         <a:effectLst/>
-                        <a:latin typeface="Arial"/>
-                        <a:ea typeface="Arial"/>
+                        <a:latin typeface="Arial" panose="020B0604020202020204"/>
+                        <a:ea typeface="Arial" panose="020B0604020202020204"/>
                       </a:endParaRPr>
                     </a:p>
                   </a:txBody>
@@ -8977,8 +8952,8 @@
                       </a:r>
                       <a:endParaRPr lang="en-US" sz="2000" dirty="0">
                         <a:effectLst/>
-                        <a:latin typeface="Arial"/>
-                        <a:ea typeface="Arial"/>
+                        <a:latin typeface="Arial" panose="020B0604020202020204"/>
+                        <a:ea typeface="Arial" panose="020B0604020202020204"/>
                       </a:endParaRPr>
                     </a:p>
                   </a:txBody>
@@ -9005,8 +8980,8 @@
                       </a:r>
                       <a:endParaRPr lang="en-US" sz="2000" dirty="0">
                         <a:effectLst/>
-                        <a:latin typeface="Arial"/>
-                        <a:ea typeface="Arial"/>
+                        <a:latin typeface="Arial" panose="020B0604020202020204"/>
+                        <a:ea typeface="Arial" panose="020B0604020202020204"/>
                       </a:endParaRPr>
                     </a:p>
                   </a:txBody>
@@ -9033,8 +9008,8 @@
                       </a:r>
                       <a:endParaRPr lang="en-US" sz="2000">
                         <a:effectLst/>
-                        <a:latin typeface="Arial"/>
-                        <a:ea typeface="Arial"/>
+                        <a:latin typeface="Arial" panose="020B0604020202020204"/>
+                        <a:ea typeface="Arial" panose="020B0604020202020204"/>
                       </a:endParaRPr>
                     </a:p>
                   </a:txBody>
@@ -9063,8 +9038,8 @@
                       </a:r>
                       <a:endParaRPr lang="en-US" sz="2000" dirty="0">
                         <a:effectLst/>
-                        <a:latin typeface="Arial"/>
-                        <a:ea typeface="Arial"/>
+                        <a:latin typeface="Arial" panose="020B0604020202020204"/>
+                        <a:ea typeface="Arial" panose="020B0604020202020204"/>
                       </a:endParaRPr>
                     </a:p>
                   </a:txBody>
@@ -9091,8 +9066,8 @@
                       </a:r>
                       <a:endParaRPr lang="en-US" sz="2000">
                         <a:effectLst/>
-                        <a:latin typeface="Arial"/>
-                        <a:ea typeface="Arial"/>
+                        <a:latin typeface="Arial" panose="020B0604020202020204"/>
+                        <a:ea typeface="Arial" panose="020B0604020202020204"/>
                       </a:endParaRPr>
                     </a:p>
                   </a:txBody>
@@ -9119,8 +9094,8 @@
                       </a:r>
                       <a:endParaRPr lang="en-US" sz="2000" dirty="0">
                         <a:effectLst/>
-                        <a:latin typeface="Arial"/>
-                        <a:ea typeface="Arial"/>
+                        <a:latin typeface="Arial" panose="020B0604020202020204"/>
+                        <a:ea typeface="Arial" panose="020B0604020202020204"/>
                       </a:endParaRPr>
                     </a:p>
                   </a:txBody>
@@ -9147,8 +9122,8 @@
                       </a:r>
                       <a:endParaRPr lang="en-US" sz="2000" dirty="0">
                         <a:effectLst/>
-                        <a:latin typeface="Arial"/>
-                        <a:ea typeface="Arial"/>
+                        <a:latin typeface="Arial" panose="020B0604020202020204"/>
+                        <a:ea typeface="Arial" panose="020B0604020202020204"/>
                       </a:endParaRPr>
                     </a:p>
                   </a:txBody>
@@ -9177,8 +9152,8 @@
                       </a:r>
                       <a:endParaRPr lang="en-US" sz="2000">
                         <a:effectLst/>
-                        <a:latin typeface="Arial"/>
-                        <a:ea typeface="Arial"/>
+                        <a:latin typeface="Arial" panose="020B0604020202020204"/>
+                        <a:ea typeface="Arial" panose="020B0604020202020204"/>
                       </a:endParaRPr>
                     </a:p>
                   </a:txBody>
@@ -9205,8 +9180,8 @@
                       </a:r>
                       <a:endParaRPr lang="en-US" sz="2000">
                         <a:effectLst/>
-                        <a:latin typeface="Arial"/>
-                        <a:ea typeface="Arial"/>
+                        <a:latin typeface="Arial" panose="020B0604020202020204"/>
+                        <a:ea typeface="Arial" panose="020B0604020202020204"/>
                       </a:endParaRPr>
                     </a:p>
                   </a:txBody>
@@ -9233,8 +9208,8 @@
                       </a:r>
                       <a:endParaRPr lang="en-US" sz="2000">
                         <a:effectLst/>
-                        <a:latin typeface="Arial"/>
-                        <a:ea typeface="Arial"/>
+                        <a:latin typeface="Arial" panose="020B0604020202020204"/>
+                        <a:ea typeface="Arial" panose="020B0604020202020204"/>
                       </a:endParaRPr>
                     </a:p>
                   </a:txBody>
@@ -9261,8 +9236,8 @@
                       </a:r>
                       <a:endParaRPr lang="en-US" sz="2000" dirty="0">
                         <a:effectLst/>
-                        <a:latin typeface="Arial"/>
-                        <a:ea typeface="Arial"/>
+                        <a:latin typeface="Arial" panose="020B0604020202020204"/>
+                        <a:ea typeface="Arial" panose="020B0604020202020204"/>
                       </a:endParaRPr>
                     </a:p>
                   </a:txBody>
@@ -9274,11 +9249,6 @@
         </a:graphic>
       </p:graphicFrame>
     </p:spTree>
-    <p:extLst>
-      <p:ext uri="{BB962C8B-B14F-4D97-AF65-F5344CB8AC3E}">
-        <p14:creationId xmlns:p14="http://schemas.microsoft.com/office/powerpoint/2010/main" val="1901874206"/>
-      </p:ext>
-    </p:extLst>
   </p:cSld>
   <p:clrMapOvr>
     <a:masterClrMapping/>
@@ -9360,6 +9330,7 @@
               <a:rPr lang="en-GB" sz="3200" dirty="0" smtClean="0"/>
               <a:t>Here, we shall discuss the common project management approaches which comprise:</a:t>
             </a:r>
+            <a:endParaRPr lang="en-GB" sz="3200" dirty="0" smtClean="0"/>
           </a:p>
           <a:p>
             <a:pPr algn="just"/>
@@ -9367,6 +9338,7 @@
               <a:rPr lang="en-GB" sz="3200" dirty="0" smtClean="0"/>
               <a:t>Project Life Cycle</a:t>
             </a:r>
+            <a:endParaRPr lang="en-GB" sz="3200" dirty="0" smtClean="0"/>
           </a:p>
           <a:p>
             <a:pPr algn="just"/>
@@ -9374,6 +9346,7 @@
               <a:rPr lang="en-GB" sz="3200" dirty="0" smtClean="0"/>
               <a:t>Predictive Approach</a:t>
             </a:r>
+            <a:endParaRPr lang="en-GB" sz="3200" dirty="0" smtClean="0"/>
           </a:p>
           <a:p>
             <a:pPr algn="just"/>
@@ -9381,6 +9354,7 @@
               <a:rPr lang="en-GB" sz="3200" dirty="0" smtClean="0"/>
               <a:t>Adaptive Approach</a:t>
             </a:r>
+            <a:endParaRPr lang="en-GB" sz="3200" dirty="0" smtClean="0"/>
           </a:p>
           <a:p>
             <a:pPr algn="just"/>
@@ -9393,11 +9367,6 @@
         </p:txBody>
       </p:sp>
     </p:spTree>
-    <p:extLst>
-      <p:ext uri="{BB962C8B-B14F-4D97-AF65-F5344CB8AC3E}">
-        <p14:creationId xmlns:p14="http://schemas.microsoft.com/office/powerpoint/2010/main" val="3947749872"/>
-      </p:ext>
-    </p:extLst>
   </p:cSld>
   <p:clrMapOvr>
     <a:masterClrMapping/>
@@ -9454,6 +9423,7 @@
               <a:rPr lang="en-GB" b="1" dirty="0"/>
               <a:t>Project Life Cycle</a:t>
             </a:r>
+            <a:endParaRPr lang="en-GB" b="1" dirty="0"/>
           </a:p>
         </p:txBody>
       </p:sp>
@@ -9482,8 +9452,21 @@
             <a:pPr algn="just"/>
             <a:r>
               <a:rPr lang="en-GB" sz="3200" dirty="0" smtClean="0"/>
-              <a:t>The project life cycle is the series of phases that a project passes through from its start to its completion. </a:t>
-            </a:r>
+              <a:t>The project life cycle</a:t>
+            </a:r>
+            <a:r>
+              <a:rPr lang="en-GB" sz="3200" dirty="0" smtClean="0">
+                <a:highlight>
+                  <a:srgbClr val="FFFF00"/>
+                </a:highlight>
+              </a:rPr>
+              <a:t> is the series of phases that a project passes through from its start to its completion</a:t>
+            </a:r>
+            <a:r>
+              <a:rPr lang="en-GB" sz="3200" dirty="0" smtClean="0"/>
+              <a:t>. </a:t>
+            </a:r>
+            <a:endParaRPr lang="en-GB" sz="3200" dirty="0" smtClean="0"/>
           </a:p>
           <a:p>
             <a:pPr algn="just"/>
@@ -9491,6 +9474,7 @@
               <a:rPr lang="en-GB" sz="3200" dirty="0" smtClean="0"/>
               <a:t>There are four phases of the project life cycle:</a:t>
             </a:r>
+            <a:endParaRPr lang="en-GB" sz="3200" dirty="0" smtClean="0"/>
           </a:p>
           <a:p>
             <a:pPr marL="0" indent="0" algn="just">
@@ -9508,6 +9492,7 @@
               <a:rPr lang="en-GB" sz="3200" dirty="0" smtClean="0"/>
               <a:t>. Starting the Project</a:t>
             </a:r>
+            <a:endParaRPr lang="en-GB" sz="3200" dirty="0" smtClean="0"/>
           </a:p>
           <a:p>
             <a:pPr marL="0" indent="0" algn="just">
@@ -9517,6 +9502,7 @@
               <a:rPr lang="en-GB" sz="3200" dirty="0" smtClean="0"/>
               <a:t>	ii. Organising and Preparing</a:t>
             </a:r>
+            <a:endParaRPr lang="en-GB" sz="3200" dirty="0" smtClean="0"/>
           </a:p>
           <a:p>
             <a:pPr marL="0" indent="0" algn="just">
@@ -9530,6 +9516,7 @@
               <a:rPr lang="en-GB" sz="3200" dirty="0" smtClean="0"/>
               <a:t>   iii. Carrying out the work</a:t>
             </a:r>
+            <a:endParaRPr lang="en-GB" sz="3200" dirty="0" smtClean="0"/>
           </a:p>
           <a:p>
             <a:pPr marL="0" indent="0" algn="just">
@@ -9548,11 +9535,6 @@
         </p:txBody>
       </p:sp>
     </p:spTree>
-    <p:extLst>
-      <p:ext uri="{BB962C8B-B14F-4D97-AF65-F5344CB8AC3E}">
-        <p14:creationId xmlns:p14="http://schemas.microsoft.com/office/powerpoint/2010/main" val="698431979"/>
-      </p:ext>
-    </p:extLst>
   </p:cSld>
   <p:clrMapOvr>
     <a:masterClrMapping/>
@@ -9609,6 +9591,7 @@
               <a:rPr lang="en-GB" b="1" dirty="0"/>
               <a:t>Project Life Cycle</a:t>
             </a:r>
+            <a:endParaRPr lang="en-GB" b="1" dirty="0"/>
           </a:p>
         </p:txBody>
       </p:sp>
@@ -9652,7 +9635,7 @@
           <p:nvPr/>
         </p:nvPicPr>
         <p:blipFill>
-          <a:blip r:embed="rId2">
+          <a:blip r:embed="rId1">
             <a:extLst>
               <a:ext uri="{28A0092B-C50C-407E-A947-70E740481C1C}">
                 <a14:useLocalDpi xmlns:a14="http://schemas.microsoft.com/office/drawing/2010/main" val="0"/>
@@ -9674,11 +9657,6 @@
         </p:spPr>
       </p:pic>
     </p:spTree>
-    <p:extLst>
-      <p:ext uri="{BB962C8B-B14F-4D97-AF65-F5344CB8AC3E}">
-        <p14:creationId xmlns:p14="http://schemas.microsoft.com/office/powerpoint/2010/main" val="1407465213"/>
-      </p:ext>
-    </p:extLst>
   </p:cSld>
   <p:clrMapOvr>
     <a:masterClrMapping/>
@@ -9778,21 +9756,43 @@
               <a:rPr lang="en-GB" sz="3200" dirty="0" smtClean="0"/>
               <a:t>launch the product</a:t>
             </a:r>
+            <a:endParaRPr lang="en-GB" sz="3200" dirty="0" smtClean="0"/>
           </a:p>
           <a:p>
             <a:pPr algn="just"/>
             <a:r>
               <a:rPr lang="en-GB" sz="3200" dirty="0" smtClean="0"/>
-              <a:t>The project </a:t>
-            </a:r>
-            <a:r>
-              <a:rPr lang="en-GB" sz="3200" dirty="0"/>
+              <a:t>The </a:t>
+            </a:r>
+            <a:r>
+              <a:rPr lang="en-GB" sz="3200" dirty="0" smtClean="0">
+                <a:highlight>
+                  <a:srgbClr val="FFFF00"/>
+                </a:highlight>
+              </a:rPr>
+              <a:t>project </a:t>
+            </a:r>
+            <a:r>
+              <a:rPr lang="en-GB" sz="3200" dirty="0">
+                <a:highlight>
+                  <a:srgbClr val="FFFF00"/>
+                </a:highlight>
+              </a:rPr>
               <a:t>sponsor </a:t>
             </a:r>
             <a:r>
-              <a:rPr lang="en-GB" sz="3200" dirty="0" smtClean="0"/>
+              <a:rPr lang="en-GB" sz="3200" dirty="0" smtClean="0">
+                <a:highlight>
+                  <a:srgbClr val="FFFF00"/>
+                </a:highlight>
+              </a:rPr>
               <a:t>creates the project charter</a:t>
             </a:r>
+            <a:endParaRPr lang="en-GB" sz="3200" dirty="0" smtClean="0">
+              <a:highlight>
+                <a:srgbClr val="FFFF00"/>
+              </a:highlight>
+            </a:endParaRPr>
           </a:p>
           <a:p>
             <a:pPr lvl="1" algn="just"/>
@@ -9800,6 +9800,7 @@
               <a:rPr lang="en-GB" sz="3000" dirty="0" smtClean="0"/>
               <a:t>Key Points About A project Sponsor</a:t>
             </a:r>
+            <a:endParaRPr lang="en-GB" sz="3000" dirty="0" smtClean="0"/>
           </a:p>
           <a:p>
             <a:pPr lvl="2" algn="just"/>
@@ -9807,6 +9808,7 @@
               <a:rPr lang="en-GB" sz="2800" dirty="0" smtClean="0"/>
               <a:t>Originator of the project idea</a:t>
             </a:r>
+            <a:endParaRPr lang="en-GB" sz="2800" dirty="0" smtClean="0"/>
           </a:p>
           <a:p>
             <a:pPr lvl="2" algn="just"/>
@@ -9814,6 +9816,7 @@
               <a:rPr lang="en-GB" sz="2800" dirty="0" smtClean="0"/>
               <a:t>Provides Equity Investment</a:t>
             </a:r>
+            <a:endParaRPr lang="en-GB" sz="2800" dirty="0" smtClean="0"/>
           </a:p>
           <a:p>
             <a:pPr lvl="2" algn="just"/>
@@ -9821,6 +9824,7 @@
               <a:rPr lang="en-GB" sz="2800" dirty="0" smtClean="0"/>
               <a:t>Critical Role in Securing Finance</a:t>
             </a:r>
+            <a:endParaRPr lang="en-GB" sz="2800" dirty="0" smtClean="0"/>
           </a:p>
           <a:p>
             <a:pPr lvl="2" algn="just"/>
@@ -9828,6 +9832,7 @@
               <a:rPr lang="en-GB" sz="2800" dirty="0" smtClean="0"/>
               <a:t>Risk Management Responsibility </a:t>
             </a:r>
+            <a:endParaRPr lang="en-GB" sz="2800" dirty="0" smtClean="0"/>
           </a:p>
           <a:p>
             <a:pPr lvl="2" algn="just"/>
@@ -9840,11 +9845,6 @@
         </p:txBody>
       </p:sp>
     </p:spTree>
-    <p:extLst>
-      <p:ext uri="{BB962C8B-B14F-4D97-AF65-F5344CB8AC3E}">
-        <p14:creationId xmlns:p14="http://schemas.microsoft.com/office/powerpoint/2010/main" val="518140417"/>
-      </p:ext>
-    </p:extLst>
   </p:cSld>
   <p:clrMapOvr>
     <a:masterClrMapping/>
@@ -9937,13 +9937,26 @@
               <a:t>The </a:t>
             </a:r>
             <a:r>
-              <a:rPr lang="en-GB" sz="3200" dirty="0"/>
+              <a:rPr lang="en-GB" sz="3200" dirty="0">
+                <a:highlight>
+                  <a:srgbClr val="FFFF00"/>
+                </a:highlight>
+              </a:rPr>
               <a:t>project charter defines what is to be done to meet the requirements of project customers</a:t>
             </a:r>
             <a:r>
-              <a:rPr lang="en-GB" sz="3200" dirty="0" smtClean="0"/>
+              <a:rPr lang="en-GB" sz="3200" dirty="0" smtClean="0">
+                <a:highlight>
+                  <a:srgbClr val="FFFF00"/>
+                </a:highlight>
+              </a:rPr>
               <a:t>.</a:t>
             </a:r>
+            <a:endParaRPr lang="en-GB" sz="3200" dirty="0" smtClean="0">
+              <a:highlight>
+                <a:srgbClr val="FFFF00"/>
+              </a:highlight>
+            </a:endParaRPr>
           </a:p>
           <a:p>
             <a:pPr algn="just"/>
@@ -9959,6 +9972,7 @@
               <a:rPr lang="en-GB" sz="3200" dirty="0" smtClean="0"/>
               <a:t>project:  </a:t>
             </a:r>
+            <a:endParaRPr lang="en-GB" sz="3200" dirty="0" smtClean="0"/>
           </a:p>
           <a:p>
             <a:pPr marL="0" indent="0" algn="just">
@@ -9994,6 +10008,7 @@
               <a:rPr lang="en-GB" sz="3200" dirty="0" smtClean="0"/>
               <a:t>and </a:t>
             </a:r>
+            <a:endParaRPr lang="en-GB" sz="3200" dirty="0" smtClean="0"/>
           </a:p>
           <a:p>
             <a:pPr marL="0" indent="0" algn="just">
@@ -10015,6 +10030,7 @@
               <a:rPr lang="en-GB" sz="3200" dirty="0" smtClean="0"/>
               <a:t>	</a:t>
             </a:r>
+            <a:endParaRPr lang="en-GB" sz="3200" dirty="0" smtClean="0"/>
           </a:p>
           <a:p>
             <a:pPr marL="0" indent="0" algn="just">
@@ -10037,11 +10053,6 @@
         </p:txBody>
       </p:sp>
     </p:spTree>
-    <p:extLst>
-      <p:ext uri="{BB962C8B-B14F-4D97-AF65-F5344CB8AC3E}">
-        <p14:creationId xmlns:p14="http://schemas.microsoft.com/office/powerpoint/2010/main" val="3423468372"/>
-      </p:ext>
-    </p:extLst>
   </p:cSld>
   <p:clrMapOvr>
     <a:masterClrMapping/>
@@ -10145,6 +10156,7 @@
               <a:rPr lang="en-GB" sz="3200" dirty="0" smtClean="0"/>
               <a:t>This is the planning phase which involves:</a:t>
             </a:r>
+            <a:endParaRPr lang="en-GB" sz="3200" dirty="0" smtClean="0"/>
           </a:p>
           <a:p>
             <a:pPr algn="just"/>
@@ -10152,6 +10164,7 @@
               <a:rPr lang="en-GB" sz="3200" dirty="0" smtClean="0"/>
               <a:t>Identify scope</a:t>
             </a:r>
+            <a:endParaRPr lang="en-GB" sz="3200" dirty="0" smtClean="0"/>
           </a:p>
           <a:p>
             <a:pPr algn="just"/>
@@ -10159,6 +10172,7 @@
               <a:rPr lang="en-GB" sz="3200" dirty="0" smtClean="0"/>
               <a:t>Identify tasks, dependencies and schedules</a:t>
             </a:r>
+            <a:endParaRPr lang="en-GB" sz="3200" dirty="0" smtClean="0"/>
           </a:p>
           <a:p>
             <a:pPr algn="just"/>
@@ -10166,6 +10180,7 @@
               <a:rPr lang="en-GB" sz="3200" dirty="0" smtClean="0"/>
               <a:t>Plan resources</a:t>
             </a:r>
+            <a:endParaRPr lang="en-GB" sz="3200" dirty="0" smtClean="0"/>
           </a:p>
           <a:p>
             <a:pPr algn="just"/>
@@ -10173,6 +10188,7 @@
               <a:rPr lang="en-GB" sz="3200" dirty="0" smtClean="0"/>
               <a:t>Clarify trade-offs and decision making principle</a:t>
             </a:r>
+            <a:endParaRPr lang="en-GB" sz="3200" dirty="0" smtClean="0"/>
           </a:p>
           <a:p>
             <a:pPr algn="just"/>
@@ -10180,6 +10196,7 @@
               <a:rPr lang="en-GB" sz="3200" dirty="0" smtClean="0"/>
               <a:t>Develop a risk management plan</a:t>
             </a:r>
+            <a:endParaRPr lang="en-GB" sz="3200" dirty="0" smtClean="0"/>
           </a:p>
           <a:p>
             <a:pPr algn="just"/>
@@ -10188,11 +10205,6 @@
         </p:txBody>
       </p:sp>
     </p:spTree>
-    <p:extLst>
-      <p:ext uri="{BB962C8B-B14F-4D97-AF65-F5344CB8AC3E}">
-        <p14:creationId xmlns:p14="http://schemas.microsoft.com/office/powerpoint/2010/main" val="3180346477"/>
-      </p:ext>
-    </p:extLst>
   </p:cSld>
   <p:clrMapOvr>
     <a:masterClrMapping/>
@@ -10296,6 +10308,7 @@
               <a:rPr lang="en-GB" sz="3200" dirty="0" smtClean="0"/>
               <a:t>This is the execution phase which also refers to implementing the project plan.</a:t>
             </a:r>
+            <a:endParaRPr lang="en-GB" sz="3200" dirty="0" smtClean="0"/>
           </a:p>
           <a:p>
             <a:pPr algn="just"/>
@@ -10303,6 +10316,7 @@
               <a:rPr lang="en-GB" sz="3200" dirty="0" smtClean="0"/>
               <a:t>Monitor progress</a:t>
             </a:r>
+            <a:endParaRPr lang="en-GB" sz="3200" dirty="0" smtClean="0"/>
           </a:p>
           <a:p>
             <a:pPr algn="just"/>
@@ -10310,6 +10324,7 @@
               <a:rPr lang="en-GB" sz="3200" dirty="0" smtClean="0"/>
               <a:t>Communicate and report</a:t>
             </a:r>
+            <a:endParaRPr lang="en-GB" sz="3200" dirty="0" smtClean="0"/>
           </a:p>
           <a:p>
             <a:pPr algn="just"/>
@@ -10322,11 +10337,6 @@
         </p:txBody>
       </p:sp>
     </p:spTree>
-    <p:extLst>
-      <p:ext uri="{BB962C8B-B14F-4D97-AF65-F5344CB8AC3E}">
-        <p14:creationId xmlns:p14="http://schemas.microsoft.com/office/powerpoint/2010/main" val="716326171"/>
-      </p:ext>
-    </p:extLst>
   </p:cSld>
   <p:clrMapOvr>
     <a:masterClrMapping/>
@@ -10393,6 +10403,7 @@
               <a:rPr lang="en-GB" sz="3200" b="1" dirty="0"/>
               <a:t>Ending the Project </a:t>
             </a:r>
+            <a:endParaRPr lang="en-GB" sz="3200" b="1" dirty="0"/>
           </a:p>
         </p:txBody>
       </p:sp>
@@ -10425,6 +10436,7 @@
               <a:rPr lang="en-GB" sz="3200" dirty="0" smtClean="0"/>
               <a:t>This is the closing phase of the project: </a:t>
             </a:r>
+            <a:endParaRPr lang="en-GB" sz="3200" dirty="0" smtClean="0"/>
           </a:p>
           <a:p>
             <a:pPr algn="just"/>
@@ -10432,6 +10444,7 @@
               <a:rPr lang="en-GB" sz="3200" dirty="0" smtClean="0"/>
               <a:t>Sign off</a:t>
             </a:r>
+            <a:endParaRPr lang="en-GB" sz="3200" dirty="0" smtClean="0"/>
           </a:p>
           <a:p>
             <a:pPr algn="just"/>
@@ -10439,6 +10452,7 @@
               <a:rPr lang="en-GB" sz="3200" dirty="0" smtClean="0"/>
               <a:t>Conduct a formal post-mortem</a:t>
             </a:r>
+            <a:endParaRPr lang="en-GB" sz="3200" dirty="0" smtClean="0"/>
           </a:p>
           <a:p>
             <a:pPr marL="0" indent="0" algn="just">
@@ -10453,11 +10467,6 @@
         </p:txBody>
       </p:sp>
     </p:spTree>
-    <p:extLst>
-      <p:ext uri="{BB962C8B-B14F-4D97-AF65-F5344CB8AC3E}">
-        <p14:creationId xmlns:p14="http://schemas.microsoft.com/office/powerpoint/2010/main" val="2506975936"/>
-      </p:ext>
-    </p:extLst>
   </p:cSld>
   <p:clrMapOvr>
     <a:masterClrMapping/>
@@ -10515,7 +10524,7 @@
     </a:clrScheme>
     <a:fontScheme name="Wisp">
       <a:majorFont>
-        <a:latin typeface="Century Gothic" panose="020B0502020202020204"/>
+        <a:latin typeface="Century Gothic"/>
         <a:ea typeface=""/>
         <a:cs typeface=""/>
         <a:font script="Jpan" typeface="メイリオ"/>
@@ -10550,7 +10559,7 @@
         <a:font script="Geor" typeface="Sylfaen"/>
       </a:majorFont>
       <a:minorFont>
-        <a:latin typeface="Century Gothic" panose="020B0502020202020204"/>
+        <a:latin typeface="Century Gothic"/>
         <a:ea typeface=""/>
         <a:cs typeface=""/>
         <a:font script="Jpan" typeface="メイリオ"/>
@@ -10705,11 +10714,9 @@
       </a:bgFillStyleLst>
     </a:fmtScheme>
   </a:themeElements>
-  <a:objectDefaults/>
-  <a:extraClrSchemeLst/>
   <a:extLst>
     <a:ext uri="{05A4C25C-085E-4340-85A3-A5531E510DB2}">
-      <thm15:themeFamily xmlns:thm15="http://schemas.microsoft.com/office/thememl/2012/main" xmlns="" name="Wisp" id="{7CB32D59-10C0-40DD-B7BD-2E94284A981C}" vid="{24B1A44C-C006-48B2-A4D7-E5549B3D8CD4}"/>
+      <thm15:themeFamily xmlns:thm15="http://schemas.microsoft.com/office/thememl/2012/main" name="Office Theme" id="{62F939B6-93AF-4DB8-9C6B-D6C7DFDC589F}" vid="{4A3C46E8-61CC-4603-A589-7422A47A8E4A}"/>
     </a:ext>
   </a:extLst>
 </a:theme>
